--- a/7_Rendue/OpenPLC.pptx
+++ b/7_Rendue/OpenPLC.pptx
@@ -5987,7 +5987,7 @@
             <a:pPr rtl="0"/>
             <a:fld id="{E7829D4B-412A-499A-8D4F-B904ADB5D0BE}" type="datetime1">
               <a:rPr lang="fr-FR" smtClean="0"/>
-              <a:t>22/01/2025</a:t>
+              <a:t>23/01/2025</a:t>
             </a:fld>
             <a:endParaRPr lang="fr-FR" dirty="0"/>
           </a:p>
@@ -6207,7 +6207,7 @@
             <a:pPr rtl="0"/>
             <a:fld id="{CCE360E1-1F2F-4ECC-8A8D-37670FD54F5F}" type="datetime1">
               <a:rPr lang="fr-FR" smtClean="0"/>
-              <a:t>22/01/2025</a:t>
+              <a:t>23/01/2025</a:t>
             </a:fld>
             <a:endParaRPr lang="fr-FR" dirty="0"/>
           </a:p>
@@ -15382,8 +15382,16 @@
           <a:p>
             <a:pPr rtl="0"/>
             <a:r>
+              <a:rPr lang="fr-CH" dirty="0"/>
+              <a:t>P</a:t>
+            </a:r>
+            <a:r>
+              <a:rPr lang="fr-FR" dirty="0" err="1"/>
+              <a:t>rojet</a:t>
+            </a:r>
+            <a:r>
               <a:rPr lang="fr-FR" dirty="0"/>
-              <a:t>Présentation de base</a:t>
+              <a:t> 4 : OpenPLC – I2C</a:t>
             </a:r>
           </a:p>
         </p:txBody>
@@ -18331,7 +18339,7 @@
           <p:nvPr>
             <p:extLst>
               <p:ext uri="{D42A27DB-BD31-4B8C-83A1-F6EECF244321}">
-                <p14:modId xmlns:p14="http://schemas.microsoft.com/office/powerpoint/2010/main" val="531475875"/>
+                <p14:modId xmlns:p14="http://schemas.microsoft.com/office/powerpoint/2010/main" val="3058709585"/>
               </p:ext>
             </p:extLst>
           </p:nvPr>
@@ -20768,23 +20776,12 @@
 </file>
 
 <file path=customXml/item1.xml><?xml version="1.0" encoding="utf-8"?>
-<p:properties xmlns:p="http://schemas.microsoft.com/office/2006/metadata/properties" xmlns:xsi="http://www.w3.org/2001/XMLSchema-instance" xmlns:pc="http://schemas.microsoft.com/office/infopath/2007/PartnerControls">
-  <documentManagement>
-    <Background xmlns="71af3243-3dd4-4a8d-8c0d-dd76da1f02a5">false</Background>
-    <Status xmlns="71af3243-3dd4-4a8d-8c0d-dd76da1f02a5">Not started</Status>
-    <_ip_UnifiedCompliancePolicyUIAction xmlns="http://schemas.microsoft.com/sharepoint/v3" xsi:nil="true"/>
-    <Image xmlns="71af3243-3dd4-4a8d-8c0d-dd76da1f02a5">
-      <Url xsi:nil="true"/>
-      <Description xsi:nil="true"/>
-    </Image>
-    <_ip_UnifiedCompliancePolicyProperties xmlns="http://schemas.microsoft.com/sharepoint/v3" xsi:nil="true"/>
-    <ImageTagsTaxHTField xmlns="71af3243-3dd4-4a8d-8c0d-dd76da1f02a5">
-      <Terms xmlns="http://schemas.microsoft.com/office/infopath/2007/PartnerControls"/>
-    </ImageTagsTaxHTField>
-    <TaxCatchAll xmlns="230e9df3-be65-4c73-a93b-d1236ebd677e" xsi:nil="true"/>
-    <MediaServiceKeyPoints xmlns="71af3243-3dd4-4a8d-8c0d-dd76da1f02a5" xsi:nil="true"/>
-  </documentManagement>
-</p:properties>
+<?mso-contentType ?>
+<FormTemplates xmlns="http://schemas.microsoft.com/sharepoint/v3/contenttype/forms">
+  <Display>DocumentLibraryForm</Display>
+  <Edit>DocumentLibraryForm</Edit>
+  <New>DocumentLibraryForm</New>
+</FormTemplates>
 </file>
 
 <file path=customXml/item2.xml><?xml version="1.0" encoding="utf-8"?>
@@ -21100,22 +21097,29 @@
 </file>
 
 <file path=customXml/item3.xml><?xml version="1.0" encoding="utf-8"?>
-<?mso-contentType ?>
-<FormTemplates xmlns="http://schemas.microsoft.com/sharepoint/v3/contenttype/forms">
-  <Display>DocumentLibraryForm</Display>
-  <Edit>DocumentLibraryForm</Edit>
-  <New>DocumentLibraryForm</New>
-</FormTemplates>
+<p:properties xmlns:p="http://schemas.microsoft.com/office/2006/metadata/properties" xmlns:xsi="http://www.w3.org/2001/XMLSchema-instance" xmlns:pc="http://schemas.microsoft.com/office/infopath/2007/PartnerControls">
+  <documentManagement>
+    <Background xmlns="71af3243-3dd4-4a8d-8c0d-dd76da1f02a5">false</Background>
+    <Status xmlns="71af3243-3dd4-4a8d-8c0d-dd76da1f02a5">Not started</Status>
+    <_ip_UnifiedCompliancePolicyUIAction xmlns="http://schemas.microsoft.com/sharepoint/v3" xsi:nil="true"/>
+    <Image xmlns="71af3243-3dd4-4a8d-8c0d-dd76da1f02a5">
+      <Url xsi:nil="true"/>
+      <Description xsi:nil="true"/>
+    </Image>
+    <_ip_UnifiedCompliancePolicyProperties xmlns="http://schemas.microsoft.com/sharepoint/v3" xsi:nil="true"/>
+    <ImageTagsTaxHTField xmlns="71af3243-3dd4-4a8d-8c0d-dd76da1f02a5">
+      <Terms xmlns="http://schemas.microsoft.com/office/infopath/2007/PartnerControls"/>
+    </ImageTagsTaxHTField>
+    <TaxCatchAll xmlns="230e9df3-be65-4c73-a93b-d1236ebd677e" xsi:nil="true"/>
+    <MediaServiceKeyPoints xmlns="71af3243-3dd4-4a8d-8c0d-dd76da1f02a5" xsi:nil="true"/>
+  </documentManagement>
+</p:properties>
 </file>
 
 <file path=customXml/itemProps1.xml><?xml version="1.0" encoding="utf-8"?>
-<ds:datastoreItem xmlns:ds="http://schemas.openxmlformats.org/officeDocument/2006/customXml" ds:itemID="{4F4B194E-8B30-4377-8C59-ECFB902D2A26}">
+<ds:datastoreItem xmlns:ds="http://schemas.openxmlformats.org/officeDocument/2006/customXml" ds:itemID="{C21FFAC0-05A2-416A-B06C-C248395482CF}">
   <ds:schemaRefs>
-    <ds:schemaRef ds:uri="http://schemas.microsoft.com/office/2006/metadata/properties"/>
-    <ds:schemaRef ds:uri="http://schemas.microsoft.com/office/infopath/2007/PartnerControls"/>
-    <ds:schemaRef ds:uri="71af3243-3dd4-4a8d-8c0d-dd76da1f02a5"/>
-    <ds:schemaRef ds:uri="http://schemas.microsoft.com/sharepoint/v3"/>
-    <ds:schemaRef ds:uri="230e9df3-be65-4c73-a93b-d1236ebd677e"/>
+    <ds:schemaRef ds:uri="http://schemas.microsoft.com/sharepoint/v3/contenttype/forms"/>
   </ds:schemaRefs>
 </ds:datastoreItem>
 </file>
@@ -21142,9 +21146,13 @@
 </file>
 
 <file path=customXml/itemProps3.xml><?xml version="1.0" encoding="utf-8"?>
-<ds:datastoreItem xmlns:ds="http://schemas.openxmlformats.org/officeDocument/2006/customXml" ds:itemID="{C21FFAC0-05A2-416A-B06C-C248395482CF}">
+<ds:datastoreItem xmlns:ds="http://schemas.openxmlformats.org/officeDocument/2006/customXml" ds:itemID="{4F4B194E-8B30-4377-8C59-ECFB902D2A26}">
   <ds:schemaRefs>
-    <ds:schemaRef ds:uri="http://schemas.microsoft.com/sharepoint/v3/contenttype/forms"/>
+    <ds:schemaRef ds:uri="http://schemas.microsoft.com/office/2006/metadata/properties"/>
+    <ds:schemaRef ds:uri="http://schemas.microsoft.com/office/infopath/2007/PartnerControls"/>
+    <ds:schemaRef ds:uri="71af3243-3dd4-4a8d-8c0d-dd76da1f02a5"/>
+    <ds:schemaRef ds:uri="http://schemas.microsoft.com/sharepoint/v3"/>
+    <ds:schemaRef ds:uri="230e9df3-be65-4c73-a93b-d1236ebd677e"/>
   </ds:schemaRefs>
 </ds:datastoreItem>
 </file>
